--- a/API/2024-04-25/Stavaza ADR2 procedures.pptx
+++ b/API/2024-04-25/Stavaza ADR2 procedures.pptx
@@ -16071,8 +16071,12 @@
           </a:p>
           <a:p>
             <a:r>
+              <a:rPr lang="en-NL"/>
+              <a:t>Stuurgroep Kennisplatform </a:t>
+            </a:r>
+            <a:r>
               <a:rPr lang="en-NL" dirty="0"/>
-              <a:t>Stuurgroep Kannisplatform APIs is akkoord op 21-09-2024</a:t>
+              <a:t>APIs is akkoord op 21-09-2024</a:t>
             </a:r>
           </a:p>
           <a:p>

--- a/API/2024-04-25/Stavaza ADR2 procedures.pptx
+++ b/API/2024-04-25/Stavaza ADR2 procedures.pptx
@@ -108,6 +108,11 @@
       </a:defRPr>
     </a:lvl9pPr>
   </p:defaultTextStyle>
+  <p:extLst>
+    <p:ext uri="{EFAFB233-063F-42B5-8137-9DF3F51BA10A}">
+      <p15:sldGuideLst xmlns:p15="http://schemas.microsoft.com/office/powerpoint/2012/main"/>
+    </p:ext>
+  </p:extLst>
 </p:presentation>
 </file>
 
@@ -1521,7 +1526,7 @@
             <a:fld id="{48A87A34-81AB-432B-8DAE-1953F412C126}" type="datetimeFigureOut">
               <a:rPr lang="en-US" smtClean="0"/>
               <a:pPr/>
-              <a:t>4/16/24</a:t>
+              <a:t>4/23/24</a:t>
             </a:fld>
             <a:endParaRPr lang="en-US" dirty="0"/>
           </a:p>
@@ -2980,7 +2985,7 @@
           <a:p>
             <a:fld id="{48A87A34-81AB-432B-8DAE-1953F412C126}" type="datetimeFigureOut">
               <a:rPr lang="en-US" smtClean="0"/>
-              <a:t>4/16/24</a:t>
+              <a:t>4/23/24</a:t>
             </a:fld>
             <a:endParaRPr lang="en-US" dirty="0"/>
           </a:p>
@@ -4433,7 +4438,7 @@
           <a:p>
             <a:fld id="{48A87A34-81AB-432B-8DAE-1953F412C126}" type="datetimeFigureOut">
               <a:rPr lang="en-US" smtClean="0"/>
-              <a:t>4/16/24</a:t>
+              <a:t>4/23/24</a:t>
             </a:fld>
             <a:endParaRPr lang="en-US" dirty="0"/>
           </a:p>
@@ -5888,7 +5893,7 @@
           <a:p>
             <a:fld id="{48A87A34-81AB-432B-8DAE-1953F412C126}" type="datetimeFigureOut">
               <a:rPr lang="en-US" smtClean="0"/>
-              <a:t>4/16/24</a:t>
+              <a:t>4/23/24</a:t>
             </a:fld>
             <a:endParaRPr lang="en-US" dirty="0"/>
           </a:p>
@@ -7396,7 +7401,7 @@
           <a:p>
             <a:fld id="{48A87A34-81AB-432B-8DAE-1953F412C126}" type="datetimeFigureOut">
               <a:rPr lang="en-US" smtClean="0"/>
-              <a:t>4/16/24</a:t>
+              <a:t>4/23/24</a:t>
             </a:fld>
             <a:endParaRPr lang="en-US" dirty="0"/>
           </a:p>
@@ -8917,7 +8922,7 @@
           <a:p>
             <a:fld id="{48A87A34-81AB-432B-8DAE-1953F412C126}" type="datetimeFigureOut">
               <a:rPr lang="en-US" smtClean="0"/>
-              <a:t>4/16/24</a:t>
+              <a:t>4/23/24</a:t>
             </a:fld>
             <a:endParaRPr lang="en-US" dirty="0"/>
           </a:p>
@@ -10582,7 +10587,7 @@
           <a:p>
             <a:fld id="{48A87A34-81AB-432B-8DAE-1953F412C126}" type="datetimeFigureOut">
               <a:rPr lang="en-US" smtClean="0"/>
-              <a:t>4/16/24</a:t>
+              <a:t>4/23/24</a:t>
             </a:fld>
             <a:endParaRPr lang="en-US" dirty="0"/>
           </a:p>
@@ -11980,7 +11985,7 @@
           <a:p>
             <a:fld id="{48A87A34-81AB-432B-8DAE-1953F412C126}" type="datetimeFigureOut">
               <a:rPr lang="en-US" smtClean="0"/>
-              <a:t>4/16/24</a:t>
+              <a:t>4/23/24</a:t>
             </a:fld>
             <a:endParaRPr lang="en-US" dirty="0"/>
           </a:p>
@@ -12080,7 +12085,7 @@
           <a:p>
             <a:fld id="{48A87A34-81AB-432B-8DAE-1953F412C126}" type="datetimeFigureOut">
               <a:rPr lang="en-US" smtClean="0"/>
-              <a:t>4/16/24</a:t>
+              <a:t>4/23/24</a:t>
             </a:fld>
             <a:endParaRPr lang="en-US" dirty="0"/>
           </a:p>
@@ -13606,7 +13611,7 @@
           <a:p>
             <a:fld id="{48A87A34-81AB-432B-8DAE-1953F412C126}" type="datetimeFigureOut">
               <a:rPr lang="en-US" smtClean="0"/>
-              <a:t>4/16/24</a:t>
+              <a:t>4/23/24</a:t>
             </a:fld>
             <a:endParaRPr lang="en-US" dirty="0"/>
           </a:p>
@@ -15142,7 +15147,7 @@
           <a:p>
             <a:fld id="{48A87A34-81AB-432B-8DAE-1953F412C126}" type="datetimeFigureOut">
               <a:rPr lang="en-US" smtClean="0"/>
-              <a:t>4/16/24</a:t>
+              <a:t>4/23/24</a:t>
             </a:fld>
             <a:endParaRPr lang="en-US" dirty="0"/>
           </a:p>
@@ -15366,7 +15371,7 @@
             <a:fld id="{48A87A34-81AB-432B-8DAE-1953F412C126}" type="datetimeFigureOut">
               <a:rPr lang="en-US" smtClean="0"/>
               <a:pPr/>
-              <a:t>4/16/24</a:t>
+              <a:t>4/23/24</a:t>
             </a:fld>
             <a:endParaRPr lang="en-US" dirty="0"/>
           </a:p>
@@ -16071,12 +16076,8 @@
           </a:p>
           <a:p>
             <a:r>
-              <a:rPr lang="en-NL"/>
-              <a:t>Stuurgroep Kennisplatform </a:t>
-            </a:r>
-            <a:r>
               <a:rPr lang="en-NL" dirty="0"/>
-              <a:t>APIs is akkoord op 21-09-2024</a:t>
+              <a:t>Stuurgroep Kennisplatform APIs is akkoord op 21-09-2024</a:t>
             </a:r>
           </a:p>
           <a:p>
@@ -16088,9 +16089,12 @@
               <a:t>github.com/Geonovum/KP-APIs/overleggen/Stuurgroep</a:t>
             </a:r>
             <a:r>
-              <a:rPr lang="en-NL" dirty="0"/>
+              <a:rPr lang="en-NL" dirty="0">
+                <a:hlinkClick r:id="rId3"/>
+              </a:rPr>
               <a:t> </a:t>
             </a:r>
+            <a:endParaRPr lang="en-NL" dirty="0"/>
           </a:p>
           <a:p>
             <a:r>
@@ -16221,51 +16225,51 @@
         <p:spPr/>
         <p:txBody>
           <a:bodyPr>
-            <a:normAutofit fontScale="85000" lnSpcReduction="20000"/>
+            <a:normAutofit/>
           </a:bodyPr>
           <a:lstStyle/>
           <a:p>
             <a:r>
-              <a:rPr lang="en-US" dirty="0"/>
+              <a:rPr lang="en-US" sz="1200" dirty="0"/>
               <a:t>B</a:t>
             </a:r>
             <a:r>
-              <a:rPr lang="en-NL" dirty="0"/>
+              <a:rPr lang="en-NL" sz="1200" dirty="0"/>
               <a:t>ehandeld in de programmeringstafel op 14-02-2024 </a:t>
             </a:r>
             <a:r>
-              <a:rPr lang="en-NL" dirty="0">
+              <a:rPr lang="en-NL" sz="1200" dirty="0">
                 <a:hlinkClick r:id="rId2"/>
               </a:rPr>
               <a:t>link</a:t>
             </a:r>
-            <a:endParaRPr lang="en-NL" dirty="0"/>
+            <a:endParaRPr lang="en-NL" sz="1200" dirty="0"/>
           </a:p>
           <a:p>
             <a:r>
-              <a:rPr lang="en-US" dirty="0"/>
+              <a:rPr lang="en-US" sz="1200" dirty="0"/>
               <a:t>B</a:t>
             </a:r>
             <a:r>
-              <a:rPr lang="en-NL" dirty="0"/>
+              <a:rPr lang="en-NL" sz="1200" dirty="0"/>
               <a:t>ehandeld in de programmeringsraad / PGDI op 07-03-2024 en vastgelegd als besluit 83. Zie ook</a:t>
             </a:r>
           </a:p>
           <a:p>
             <a:pPr lvl="1"/>
             <a:r>
-              <a:rPr lang="en-NL" dirty="0"/>
+              <a:rPr lang="en-NL" sz="1200" dirty="0"/>
               <a:t> </a:t>
             </a:r>
             <a:r>
-              <a:rPr lang="en-US" b="0" i="0" dirty="0">
+              <a:rPr lang="en-US" sz="1200" b="0" i="0" dirty="0">
                 <a:effectLst/>
                 <a:latin typeface="Helvetica" pitchFamily="2" charset="0"/>
                 <a:hlinkClick r:id="rId3"/>
               </a:rPr>
               <a:t>https://pgdi.nl/file/download/e3bd0ba3-a117-42f2-b4e1-d56105b88f96/20240418-pgdi-02-verslagen-voorraadagenda-actie-en-besluitenlijst.pdf</a:t>
             </a:r>
-            <a:endParaRPr lang="en-NL" dirty="0"/>
+            <a:endParaRPr lang="en-NL" sz="1200" dirty="0"/>
           </a:p>
         </p:txBody>
       </p:sp>
@@ -16285,7 +16289,12 @@
             <p:ph type="body" sz="quarter" idx="3"/>
           </p:nvPr>
         </p:nvSpPr>
-        <p:spPr/>
+        <p:spPr>
+          <a:xfrm>
+            <a:off x="5118653" y="3213944"/>
+            <a:ext cx="6264414" cy="685800"/>
+          </a:xfrm>
+        </p:spPr>
         <p:txBody>
           <a:bodyPr/>
           <a:lstStyle/>
@@ -16313,34 +16322,89 @@
             <p:ph sz="quarter" idx="4"/>
           </p:nvPr>
         </p:nvSpPr>
-        <p:spPr/>
+        <p:spPr>
+          <a:xfrm>
+            <a:off x="5118447" y="3899744"/>
+            <a:ext cx="6548036" cy="2460496"/>
+          </a:xfrm>
+        </p:spPr>
         <p:txBody>
           <a:bodyPr>
-            <a:normAutofit fontScale="85000" lnSpcReduction="20000"/>
+            <a:noAutofit/>
           </a:bodyPr>
           <a:lstStyle/>
           <a:p>
             <a:r>
-              <a:rPr lang="en-US" dirty="0"/>
+              <a:rPr lang="en-US" sz="1200" dirty="0"/>
               <a:t>A</a:t>
             </a:r>
             <a:r>
-              <a:rPr lang="en-NL" dirty="0"/>
+              <a:rPr lang="en-NL" sz="1200" dirty="0"/>
               <a:t>angemeld op 25-01-2024</a:t>
             </a:r>
           </a:p>
           <a:p>
             <a:r>
-              <a:rPr lang="en-US" dirty="0"/>
+              <a:rPr lang="en-US" sz="1200" dirty="0"/>
               <a:t>I</a:t>
             </a:r>
             <a:r>
-              <a:rPr lang="en-NL" dirty="0"/>
+              <a:rPr lang="en-NL" sz="1200" dirty="0"/>
               <a:t>ntakegesprek op 18-04-2024</a:t>
             </a:r>
           </a:p>
           <a:p>
-            <a:endParaRPr lang="en-NL" dirty="0"/>
+            <a:r>
+              <a:rPr lang="en-NL" sz="1200" dirty="0"/>
+              <a:t>Intakeadvies gereed op 13-05-2024</a:t>
+            </a:r>
+          </a:p>
+          <a:p>
+            <a:r>
+              <a:rPr lang="en-NL" sz="1200" dirty="0"/>
+              <a:t>Stuurgroep 30-05-2024</a:t>
+            </a:r>
+          </a:p>
+          <a:p>
+            <a:r>
+              <a:rPr lang="en-NL" sz="1200" dirty="0"/>
+              <a:t>Forumvergadering 19-06-2024</a:t>
+            </a:r>
+          </a:p>
+          <a:p>
+            <a:r>
+              <a:rPr lang="en-NL" sz="1200" dirty="0"/>
+              <a:t>Bij een positief advies is de vervolgprocedure: </a:t>
+            </a:r>
+          </a:p>
+          <a:p>
+            <a:pPr lvl="1"/>
+            <a:r>
+              <a:rPr lang="en-US" sz="1200" dirty="0"/>
+              <a:t>E</a:t>
+            </a:r>
+            <a:r>
+              <a:rPr lang="en-NL" sz="1200" dirty="0"/>
+              <a:t>xpertadvies</a:t>
+            </a:r>
+          </a:p>
+          <a:p>
+            <a:pPr lvl="1"/>
+            <a:r>
+              <a:rPr lang="en-US" sz="1200" dirty="0"/>
+              <a:t>C</a:t>
+            </a:r>
+            <a:r>
+              <a:rPr lang="en-NL" sz="1200" dirty="0"/>
+              <a:t>onsultatie</a:t>
+            </a:r>
+          </a:p>
+          <a:p>
+            <a:pPr lvl="1"/>
+            <a:r>
+              <a:rPr lang="en-NL" sz="1200" dirty="0"/>
+              <a:t>Forumadvies</a:t>
+            </a:r>
           </a:p>
         </p:txBody>
       </p:sp>

--- a/API/2024-04-25/Stavaza ADR2 procedures.pptx
+++ b/API/2024-04-25/Stavaza ADR2 procedures.pptx
@@ -15874,8 +15874,58 @@
           <a:p>
             <a:r>
               <a:rPr lang="en-NL" dirty="0"/>
-              <a:t>Beheer Procedures</a:t>
+              <a:t>Beheer Procedure </a:t>
             </a:r>
+            <a:br>
+              <a:rPr lang="en-NL" dirty="0"/>
+            </a:br>
+            <a:r>
+              <a:rPr lang="en-US" b="1" dirty="0" err="1"/>
+              <a:t>NLGov</a:t>
+            </a:r>
+            <a:r>
+              <a:rPr lang="en-US" b="1" dirty="0"/>
+              <a:t> REST API Design Rules 2.0.0</a:t>
+            </a:r>
+          </a:p>
+          <a:p>
+            <a:r>
+              <a:rPr lang="en-US" dirty="0"/>
+              <a:t>https://</a:t>
+            </a:r>
+            <a:r>
+              <a:rPr lang="en-US" dirty="0" err="1"/>
+              <a:t>gitdocumentatie.logius.nl</a:t>
+            </a:r>
+            <a:r>
+              <a:rPr lang="en-US" dirty="0"/>
+              <a:t>/</a:t>
+            </a:r>
+            <a:r>
+              <a:rPr lang="en-US" dirty="0" err="1"/>
+              <a:t>publicatie</a:t>
+            </a:r>
+            <a:r>
+              <a:rPr lang="en-US" dirty="0"/>
+              <a:t>/</a:t>
+            </a:r>
+            <a:r>
+              <a:rPr lang="en-US" dirty="0" err="1"/>
+              <a:t>api</a:t>
+            </a:r>
+            <a:r>
+              <a:rPr lang="en-US" dirty="0"/>
+              <a:t>/</a:t>
+            </a:r>
+            <a:r>
+              <a:rPr lang="en-US" dirty="0" err="1"/>
+              <a:t>adr</a:t>
+            </a:r>
+            <a:r>
+              <a:rPr lang="en-US" dirty="0"/>
+              <a:t>/2.0.0</a:t>
+            </a:r>
+            <a:endParaRPr lang="en-NL" dirty="0"/>
           </a:p>
         </p:txBody>
       </p:sp>
@@ -15953,7 +16003,12 @@
             <p:ph idx="1"/>
           </p:nvPr>
         </p:nvSpPr>
-        <p:spPr/>
+        <p:spPr>
+          <a:xfrm>
+            <a:off x="5118447" y="803186"/>
+            <a:ext cx="6516505" cy="5248622"/>
+          </a:xfrm>
+        </p:spPr>
         <p:txBody>
           <a:bodyPr/>
           <a:lstStyle/>
@@ -16194,7 +16249,12 @@
             <p:ph type="body" idx="1"/>
           </p:nvPr>
         </p:nvSpPr>
-        <p:spPr/>
+        <p:spPr>
+          <a:xfrm>
+            <a:off x="5125137" y="456347"/>
+            <a:ext cx="6265088" cy="685800"/>
+          </a:xfrm>
+        </p:spPr>
         <p:txBody>
           <a:bodyPr/>
           <a:lstStyle/>
@@ -16222,7 +16282,12 @@
             <p:ph sz="half" idx="2"/>
           </p:nvPr>
         </p:nvSpPr>
-        <p:spPr/>
+        <p:spPr>
+          <a:xfrm>
+            <a:off x="5125305" y="1142147"/>
+            <a:ext cx="6264350" cy="1696853"/>
+          </a:xfrm>
+        </p:spPr>
         <p:txBody>
           <a:bodyPr>
             <a:normAutofit/>
@@ -16258,16 +16323,14 @@
           <a:p>
             <a:pPr lvl="1"/>
             <a:r>
-              <a:rPr lang="en-NL" sz="1200" dirty="0"/>
-              <a:t> </a:t>
+              <a:rPr lang="en-US" sz="1200" dirty="0">
+                <a:hlinkClick r:id="rId3"/>
+              </a:rPr>
+              <a:t>https://pgdi.nl/groups/view/fa975d80-05e2-4f9e-89d6-6a053295c97b/programmeringsraad-gdi/files</a:t>
             </a:r>
             <a:r>
-              <a:rPr lang="en-US" sz="1200" b="0" i="0" dirty="0">
-                <a:effectLst/>
-                <a:latin typeface="Helvetica" pitchFamily="2" charset="0"/>
-                <a:hlinkClick r:id="rId3"/>
-              </a:rPr>
-              <a:t>https://pgdi.nl/file/download/e3bd0ba3-a117-42f2-b4e1-d56105b88f96/20240418-pgdi-02-verslagen-voorraadagenda-actie-en-besluitenlijst.pdf</a:t>
+              <a:rPr lang="en-US" sz="1200" dirty="0"/>
+              <a:t> </a:t>
             </a:r>
             <a:endParaRPr lang="en-NL" sz="1200" dirty="0"/>
           </a:p>
@@ -16291,7 +16354,7 @@
         </p:nvSpPr>
         <p:spPr>
           <a:xfrm>
-            <a:off x="5118653" y="3213944"/>
+            <a:off x="5118653" y="2867106"/>
             <a:ext cx="6264414" cy="685800"/>
           </a:xfrm>
         </p:spPr>
@@ -16324,7 +16387,7 @@
         </p:nvSpPr>
         <p:spPr>
           <a:xfrm>
-            <a:off x="5118447" y="3899744"/>
+            <a:off x="5118447" y="3552906"/>
             <a:ext cx="6548036" cy="2460496"/>
           </a:xfrm>
         </p:spPr>
@@ -16467,9 +16530,10 @@
               <a:rPr lang="en-NL" dirty="0"/>
             </a:br>
             <a:r>
-              <a:rPr lang="en-NL" dirty="0"/>
-              <a:t>dd 16-04-2024</a:t>
+              <a:rPr lang="en-NL"/>
+              <a:t>dd 25-04-2024</a:t>
             </a:r>
+            <a:endParaRPr lang="en-NL" dirty="0"/>
           </a:p>
         </p:txBody>
       </p:sp>

--- a/API/2024-04-25/Stavaza ADR2 procedures.pptx
+++ b/API/2024-04-25/Stavaza ADR2 procedures.pptx
@@ -16154,7 +16154,7 @@
           <a:p>
             <a:r>
               <a:rPr lang="en-NL" dirty="0"/>
-              <a:t>De publieke consultatie is gestart op 6-10-2024 en afgerond op 6-11-2024</a:t>
+              <a:t>De publieke consultatie is gestart op 6-10-2023 en afgerond op 6-11-2023</a:t>
             </a:r>
           </a:p>
           <a:p>
@@ -16530,10 +16530,9 @@
               <a:rPr lang="en-NL" dirty="0"/>
             </a:br>
             <a:r>
-              <a:rPr lang="en-NL"/>
+              <a:rPr lang="en-NL" dirty="0"/>
               <a:t>dd 25-04-2024</a:t>
             </a:r>
-            <a:endParaRPr lang="en-NL" dirty="0"/>
           </a:p>
         </p:txBody>
       </p:sp>
